--- a/Produktportfolio der Jung Bank.pptx
+++ b/Produktportfolio der Jung Bank.pptx
@@ -7,7 +7,7 @@
   <p:sldIdLst>
     <p:sldId id="256" r:id="rId2"/>
     <p:sldId id="257" r:id="rId3"/>
-    <p:sldId id="258" r:id="rId4"/>
+    <p:sldId id="259" r:id="rId4"/>
   </p:sldIdLst>
   <p:sldSz cx="12192000" cy="6858000"/>
   <p:notesSz cx="6858000" cy="9144000"/>
@@ -106,13 +106,18 @@
       </a:defRPr>
     </a:lvl9pPr>
   </p:defaultTextStyle>
+  <p:extLst>
+    <p:ext uri="{EFAFB233-063F-42B5-8137-9DF3F51BA10A}">
+      <p15:sldGuideLst xmlns:p15="http://schemas.microsoft.com/office/powerpoint/2012/main"/>
+    </p:ext>
+  </p:extLst>
 </p:presentation>
 </file>
 
 <file path=ppt/revisionInfo.xml><?xml version="1.0" encoding="utf-8"?>
 <p1510:revInfo xmlns:a="http://schemas.openxmlformats.org/drawingml/2006/main" xmlns:r="http://schemas.openxmlformats.org/officeDocument/2006/relationships" xmlns:p1510="http://schemas.microsoft.com/office/powerpoint/2015/10/main">
   <p1510:revLst>
-    <p1510:client id="{C6ED4508-FA9A-4693-90C0-F4C5B5AAF445}" v="12" dt="2020-12-04T15:21:50.661"/>
+    <p1510:client id="{C6ED4508-FA9A-4693-90C0-F4C5B5AAF445}" v="15" dt="2020-12-13T12:12:27.780"/>
   </p1510:revLst>
 </p1510:revInfo>
 </file>
@@ -121,13 +126,13 @@
 <pc:chgInfo xmlns:a="http://schemas.openxmlformats.org/drawingml/2006/main" xmlns:r="http://schemas.openxmlformats.org/officeDocument/2006/relationships" xmlns:ac="http://schemas.microsoft.com/office/drawing/2013/main/command" xmlns:pc="http://schemas.microsoft.com/office/powerpoint/2013/main/command">
   <pc:docChgLst>
     <pc:chgData name="P. Smith" userId="e168a96639a4093d" providerId="LiveId" clId="{C6ED4508-FA9A-4693-90C0-F4C5B5AAF445}"/>
-    <pc:docChg chg="undo custSel modSld">
-      <pc:chgData name="P. Smith" userId="e168a96639a4093d" providerId="LiveId" clId="{C6ED4508-FA9A-4693-90C0-F4C5B5AAF445}" dt="2020-12-04T15:34:55.801" v="97" actId="27636"/>
+    <pc:docChg chg="undo custSel addSld delSld modSld">
+      <pc:chgData name="P. Smith" userId="e168a96639a4093d" providerId="LiveId" clId="{C6ED4508-FA9A-4693-90C0-F4C5B5AAF445}" dt="2020-12-13T16:32:18.392" v="1199" actId="20577"/>
       <pc:docMkLst>
         <pc:docMk/>
       </pc:docMkLst>
       <pc:sldChg chg="addSp delSp modSp mod setBg">
-        <pc:chgData name="P. Smith" userId="e168a96639a4093d" providerId="LiveId" clId="{C6ED4508-FA9A-4693-90C0-F4C5B5AAF445}" dt="2020-12-04T15:34:55.801" v="97" actId="27636"/>
+        <pc:chgData name="P. Smith" userId="e168a96639a4093d" providerId="LiveId" clId="{C6ED4508-FA9A-4693-90C0-F4C5B5AAF445}" dt="2020-12-13T12:45:40.857" v="1183" actId="20577"/>
         <pc:sldMkLst>
           <pc:docMk/>
           <pc:sldMk cId="990100967" sldId="257"/>
@@ -141,7 +146,7 @@
           </ac:spMkLst>
         </pc:spChg>
         <pc:spChg chg="mod">
-          <ac:chgData name="P. Smith" userId="e168a96639a4093d" providerId="LiveId" clId="{C6ED4508-FA9A-4693-90C0-F4C5B5AAF445}" dt="2020-12-04T15:34:55.801" v="97" actId="27636"/>
+          <ac:chgData name="P. Smith" userId="e168a96639a4093d" providerId="LiveId" clId="{C6ED4508-FA9A-4693-90C0-F4C5B5AAF445}" dt="2020-12-13T12:45:40.857" v="1183" actId="20577"/>
           <ac:spMkLst>
             <pc:docMk/>
             <pc:sldMk cId="990100967" sldId="257"/>
@@ -149,7 +154,7 @@
           </ac:spMkLst>
         </pc:spChg>
         <pc:spChg chg="mod">
-          <ac:chgData name="P. Smith" userId="e168a96639a4093d" providerId="LiveId" clId="{C6ED4508-FA9A-4693-90C0-F4C5B5AAF445}" dt="2020-12-04T15:20:13.057" v="71" actId="113"/>
+          <ac:chgData name="P. Smith" userId="e168a96639a4093d" providerId="LiveId" clId="{C6ED4508-FA9A-4693-90C0-F4C5B5AAF445}" dt="2020-12-13T12:44:05.746" v="1171" actId="27636"/>
           <ac:spMkLst>
             <pc:docMk/>
             <pc:sldMk cId="990100967" sldId="257"/>
@@ -165,8 +170,8 @@
           </ac:spMkLst>
         </pc:spChg>
       </pc:sldChg>
-      <pc:sldChg chg="modSp mod">
-        <pc:chgData name="P. Smith" userId="e168a96639a4093d" providerId="LiveId" clId="{C6ED4508-FA9A-4693-90C0-F4C5B5AAF445}" dt="2020-12-04T15:33:51.348" v="82" actId="1076"/>
+      <pc:sldChg chg="modSp del mod">
+        <pc:chgData name="P. Smith" userId="e168a96639a4093d" providerId="LiveId" clId="{C6ED4508-FA9A-4693-90C0-F4C5B5AAF445}" dt="2020-12-13T12:30:12.929" v="989" actId="2696"/>
         <pc:sldMkLst>
           <pc:docMk/>
           <pc:sldMk cId="2612878646" sldId="258"/>
@@ -184,6 +189,29 @@
           <ac:graphicFrameMkLst>
             <pc:docMk/>
             <pc:sldMk cId="2612878646" sldId="258"/>
+            <ac:graphicFrameMk id="4" creationId="{CD66C167-E48E-4F68-8AF3-72CBB123559D}"/>
+          </ac:graphicFrameMkLst>
+        </pc:graphicFrameChg>
+      </pc:sldChg>
+      <pc:sldChg chg="modSp add mod">
+        <pc:chgData name="P. Smith" userId="e168a96639a4093d" providerId="LiveId" clId="{C6ED4508-FA9A-4693-90C0-F4C5B5AAF445}" dt="2020-12-13T16:32:18.392" v="1199" actId="20577"/>
+        <pc:sldMkLst>
+          <pc:docMk/>
+          <pc:sldMk cId="727221755" sldId="259"/>
+        </pc:sldMkLst>
+        <pc:spChg chg="mod">
+          <ac:chgData name="P. Smith" userId="e168a96639a4093d" providerId="LiveId" clId="{C6ED4508-FA9A-4693-90C0-F4C5B5AAF445}" dt="2020-12-13T12:24:21.923" v="706" actId="20577"/>
+          <ac:spMkLst>
+            <pc:docMk/>
+            <pc:sldMk cId="727221755" sldId="259"/>
+            <ac:spMk id="2" creationId="{0C12E833-FF32-4455-938F-D0CBF8A8A60E}"/>
+          </ac:spMkLst>
+        </pc:spChg>
+        <pc:graphicFrameChg chg="mod modGraphic">
+          <ac:chgData name="P. Smith" userId="e168a96639a4093d" providerId="LiveId" clId="{C6ED4508-FA9A-4693-90C0-F4C5B5AAF445}" dt="2020-12-13T16:32:18.392" v="1199" actId="20577"/>
+          <ac:graphicFrameMkLst>
+            <pc:docMk/>
+            <pc:sldMk cId="727221755" sldId="259"/>
             <ac:graphicFrameMk id="4" creationId="{CD66C167-E48E-4F68-8AF3-72CBB123559D}"/>
           </ac:graphicFrameMkLst>
         </pc:graphicFrameChg>
@@ -340,7 +368,7 @@
           <a:p>
             <a:fld id="{D4E95900-68E9-4D77-8D9B-3BB1F082D8CF}" type="datetimeFigureOut">
               <a:rPr lang="de-DE" smtClean="0"/>
-              <a:t>04.12.2020</a:t>
+              <a:t>13.12.2020</a:t>
             </a:fld>
             <a:endParaRPr lang="de-DE"/>
           </a:p>
@@ -538,7 +566,7 @@
           <a:p>
             <a:fld id="{D4E95900-68E9-4D77-8D9B-3BB1F082D8CF}" type="datetimeFigureOut">
               <a:rPr lang="de-DE" smtClean="0"/>
-              <a:t>04.12.2020</a:t>
+              <a:t>13.12.2020</a:t>
             </a:fld>
             <a:endParaRPr lang="de-DE"/>
           </a:p>
@@ -746,7 +774,7 @@
           <a:p>
             <a:fld id="{D4E95900-68E9-4D77-8D9B-3BB1F082D8CF}" type="datetimeFigureOut">
               <a:rPr lang="de-DE" smtClean="0"/>
-              <a:t>04.12.2020</a:t>
+              <a:t>13.12.2020</a:t>
             </a:fld>
             <a:endParaRPr lang="de-DE"/>
           </a:p>
@@ -944,7 +972,7 @@
           <a:p>
             <a:fld id="{D4E95900-68E9-4D77-8D9B-3BB1F082D8CF}" type="datetimeFigureOut">
               <a:rPr lang="de-DE" smtClean="0"/>
-              <a:t>04.12.2020</a:t>
+              <a:t>13.12.2020</a:t>
             </a:fld>
             <a:endParaRPr lang="de-DE"/>
           </a:p>
@@ -1219,7 +1247,7 @@
           <a:p>
             <a:fld id="{D4E95900-68E9-4D77-8D9B-3BB1F082D8CF}" type="datetimeFigureOut">
               <a:rPr lang="de-DE" smtClean="0"/>
-              <a:t>04.12.2020</a:t>
+              <a:t>13.12.2020</a:t>
             </a:fld>
             <a:endParaRPr lang="de-DE"/>
           </a:p>
@@ -1484,7 +1512,7 @@
           <a:p>
             <a:fld id="{D4E95900-68E9-4D77-8D9B-3BB1F082D8CF}" type="datetimeFigureOut">
               <a:rPr lang="de-DE" smtClean="0"/>
-              <a:t>04.12.2020</a:t>
+              <a:t>13.12.2020</a:t>
             </a:fld>
             <a:endParaRPr lang="de-DE"/>
           </a:p>
@@ -1896,7 +1924,7 @@
           <a:p>
             <a:fld id="{D4E95900-68E9-4D77-8D9B-3BB1F082D8CF}" type="datetimeFigureOut">
               <a:rPr lang="de-DE" smtClean="0"/>
-              <a:t>04.12.2020</a:t>
+              <a:t>13.12.2020</a:t>
             </a:fld>
             <a:endParaRPr lang="de-DE"/>
           </a:p>
@@ -2037,7 +2065,7 @@
           <a:p>
             <a:fld id="{D4E95900-68E9-4D77-8D9B-3BB1F082D8CF}" type="datetimeFigureOut">
               <a:rPr lang="de-DE" smtClean="0"/>
-              <a:t>04.12.2020</a:t>
+              <a:t>13.12.2020</a:t>
             </a:fld>
             <a:endParaRPr lang="de-DE"/>
           </a:p>
@@ -2150,7 +2178,7 @@
           <a:p>
             <a:fld id="{D4E95900-68E9-4D77-8D9B-3BB1F082D8CF}" type="datetimeFigureOut">
               <a:rPr lang="de-DE" smtClean="0"/>
-              <a:t>04.12.2020</a:t>
+              <a:t>13.12.2020</a:t>
             </a:fld>
             <a:endParaRPr lang="de-DE"/>
           </a:p>
@@ -2461,7 +2489,7 @@
           <a:p>
             <a:fld id="{D4E95900-68E9-4D77-8D9B-3BB1F082D8CF}" type="datetimeFigureOut">
               <a:rPr lang="de-DE" smtClean="0"/>
-              <a:t>04.12.2020</a:t>
+              <a:t>13.12.2020</a:t>
             </a:fld>
             <a:endParaRPr lang="de-DE"/>
           </a:p>
@@ -2749,7 +2777,7 @@
           <a:p>
             <a:fld id="{D4E95900-68E9-4D77-8D9B-3BB1F082D8CF}" type="datetimeFigureOut">
               <a:rPr lang="de-DE" smtClean="0"/>
-              <a:t>04.12.2020</a:t>
+              <a:t>13.12.2020</a:t>
             </a:fld>
             <a:endParaRPr lang="de-DE"/>
           </a:p>
@@ -2990,7 +3018,7 @@
           <a:p>
             <a:fld id="{D4E95900-68E9-4D77-8D9B-3BB1F082D8CF}" type="datetimeFigureOut">
               <a:rPr lang="de-DE" smtClean="0"/>
-              <a:t>04.12.2020</a:t>
+              <a:t>13.12.2020</a:t>
             </a:fld>
             <a:endParaRPr lang="de-DE"/>
           </a:p>
@@ -3919,7 +3947,7 @@
         </p:spPr>
         <p:txBody>
           <a:bodyPr>
-            <a:normAutofit fontScale="92500" lnSpcReduction="10000"/>
+            <a:normAutofit/>
           </a:bodyPr>
           <a:lstStyle/>
           <a:p>
@@ -3927,91 +3955,81 @@
               <a:buNone/>
             </a:pPr>
             <a:r>
-              <a:rPr lang="de-DE" sz="2400" b="1" dirty="0"/>
+              <a:rPr lang="de-DE" sz="2200" b="1" dirty="0"/>
               <a:t>Bankkonten:</a:t>
             </a:r>
           </a:p>
           <a:p>
             <a:r>
-              <a:rPr lang="de-DE" sz="2400" dirty="0"/>
+              <a:rPr lang="de-DE" sz="2200" dirty="0"/>
               <a:t>Girokonto „</a:t>
             </a:r>
             <a:r>
-              <a:rPr lang="de-DE" sz="2400" dirty="0" err="1"/>
+              <a:rPr lang="de-DE" sz="2200" dirty="0" err="1"/>
               <a:t>joy</a:t>
             </a:r>
             <a:r>
-              <a:rPr lang="de-DE" sz="2400" dirty="0"/>
+              <a:rPr lang="de-DE" sz="2200" dirty="0"/>
               <a:t>“</a:t>
             </a:r>
           </a:p>
           <a:p>
             <a:r>
-              <a:rPr lang="de-DE" sz="2400" dirty="0"/>
+              <a:rPr lang="de-DE" sz="2200" dirty="0"/>
               <a:t>Girokonto „relax“</a:t>
             </a:r>
           </a:p>
           <a:p>
             <a:r>
-              <a:rPr lang="de-DE" sz="2400" dirty="0"/>
-              <a:t>Girokonto „</a:t>
-            </a:r>
-            <a:r>
-              <a:rPr lang="de-DE" sz="2400" dirty="0" err="1"/>
-              <a:t>next</a:t>
-            </a:r>
-            <a:r>
-              <a:rPr lang="de-DE" sz="2400" dirty="0"/>
-              <a:t> </a:t>
-            </a:r>
-            <a:r>
-              <a:rPr lang="de-DE" sz="2400" dirty="0" err="1"/>
-              <a:t>level</a:t>
-            </a:r>
-            <a:r>
-              <a:rPr lang="de-DE" sz="2400" dirty="0"/>
-              <a:t>“</a:t>
-            </a:r>
-          </a:p>
-          <a:p>
-            <a:endParaRPr lang="de-DE" sz="2400" dirty="0"/>
-          </a:p>
-          <a:p>
-            <a:endParaRPr lang="de-DE" sz="2400" dirty="0"/>
+              <a:rPr lang="de-DE" sz="2200" dirty="0"/>
+              <a:t>Girokonto „relax+“</a:t>
+            </a:r>
           </a:p>
           <a:p>
             <a:pPr marL="0" indent="0">
               <a:buNone/>
             </a:pPr>
-            <a:r>
-              <a:rPr lang="de-DE" sz="2400" b="1" dirty="0"/>
+            <a:endParaRPr lang="de-DE" sz="2200" dirty="0"/>
+          </a:p>
+          <a:p>
+            <a:pPr marL="0" indent="0">
+              <a:buNone/>
+            </a:pPr>
+            <a:endParaRPr lang="de-DE" sz="2200" dirty="0"/>
+          </a:p>
+          <a:p>
+            <a:pPr marL="0" indent="0">
+              <a:buNone/>
+            </a:pPr>
+            <a:endParaRPr lang="de-DE" sz="2200" dirty="0"/>
+          </a:p>
+          <a:p>
+            <a:pPr marL="0" indent="0">
+              <a:buNone/>
+            </a:pPr>
+            <a:r>
+              <a:rPr lang="de-DE" sz="2200" b="1" dirty="0"/>
               <a:t>Kreditkarten:</a:t>
             </a:r>
           </a:p>
           <a:p>
             <a:r>
-              <a:rPr lang="de-DE" sz="2400" dirty="0"/>
-              <a:t>Jung-Visa Gold (mit Attraktionsgutscheinen)</a:t>
-            </a:r>
-          </a:p>
-          <a:p>
-            <a:r>
-              <a:rPr lang="de-DE" sz="2400" dirty="0"/>
-              <a:t>Jung-Visa Platin (mit Rechtsschutzversicherung)</a:t>
-            </a:r>
-          </a:p>
-          <a:p>
-            <a:r>
-              <a:rPr lang="de-DE" sz="2400" dirty="0"/>
-              <a:t>Jung-MasterCard </a:t>
-            </a:r>
-            <a:r>
-              <a:rPr lang="de-DE" sz="2400" dirty="0" err="1"/>
+              <a:rPr lang="de-DE" sz="2200" dirty="0"/>
+              <a:t>Jung-Visa „Action“ (mit Attraktionsgutscheinen)</a:t>
+            </a:r>
+          </a:p>
+          <a:p>
+            <a:r>
+              <a:rPr lang="de-DE" sz="2200" dirty="0"/>
+              <a:t>Jung-MasterCard „</a:t>
+            </a:r>
+            <a:r>
+              <a:rPr lang="de-DE" sz="2200" dirty="0" err="1"/>
               <a:t>bet</a:t>
             </a:r>
             <a:r>
-              <a:rPr lang="de-DE" sz="2400" dirty="0"/>
-              <a:t> (mit Gewinnchance bei Los-Ziehungen)</a:t>
+              <a:rPr lang="de-DE" sz="2200" dirty="0"/>
+              <a:t>“ (mit hoher Gewinnchance bei Los-Ziehungen)</a:t>
             </a:r>
           </a:p>
           <a:p>
@@ -4053,7 +4071,7 @@
         </p:spPr>
         <p:txBody>
           <a:bodyPr vert="horz" lIns="91440" tIns="45720" rIns="91440" bIns="45720" rtlCol="0">
-            <a:normAutofit fontScale="92500" lnSpcReduction="20000"/>
+            <a:normAutofit fontScale="92500" lnSpcReduction="10000"/>
           </a:bodyPr>
           <a:lstStyle>
             <a:lvl1pPr marL="228600" indent="-228600" algn="l" defTabSz="914400" rtl="0" eaLnBrk="1" latinLnBrk="0" hangingPunct="1">
@@ -4237,7 +4255,7 @@
           <a:p>
             <a:r>
               <a:rPr lang="de-DE" sz="2400" dirty="0"/>
-              <a:t>Standard-Kredit „relax“ (Zinsen, die beruhigen)</a:t>
+              <a:t>Jung-Kredit „relax“ (Zinsen, die beruhigen)</a:t>
             </a:r>
           </a:p>
           <a:p>
@@ -4275,13 +4293,7 @@
           <a:p>
             <a:r>
               <a:rPr lang="de-DE" sz="2400" dirty="0"/>
-              <a:t>Wertpapierdepot Standard</a:t>
-            </a:r>
-          </a:p>
-          <a:p>
-            <a:r>
-              <a:rPr lang="de-DE" sz="2400" dirty="0"/>
-              <a:t>Wertpapierdepot mit moderner Trading-App</a:t>
+              <a:t>Wertpapierdepot „Future“ mit moderner Trading-App</a:t>
             </a:r>
           </a:p>
           <a:p>
@@ -4389,14 +4401,14 @@
           <p:nvPr>
             <p:extLst>
               <p:ext uri="{D42A27DB-BD31-4B8C-83A1-F6EECF244321}">
-                <p14:modId xmlns:p14="http://schemas.microsoft.com/office/powerpoint/2010/main" val="861666836"/>
+                <p14:modId xmlns:p14="http://schemas.microsoft.com/office/powerpoint/2010/main" val="3722957815"/>
               </p:ext>
             </p:extLst>
           </p:nvPr>
         </p:nvGraphicFramePr>
         <p:xfrm>
           <a:off x="1285462" y="930793"/>
-          <a:ext cx="9166085" cy="5927207"/>
+          <a:ext cx="9166085" cy="5852160"/>
         </p:xfrm>
         <a:graphic>
           <a:graphicData uri="http://schemas.openxmlformats.org/drawingml/2006/table">
@@ -4548,7 +4560,7 @@
                       </a:r>
                       <a:r>
                         <a:rPr lang="de-DE" dirty="0"/>
-                        <a:t>“</a:t>
+                        <a:t>“ (inklusive moderner Banking-App für 0€ Kontogebühren)</a:t>
                       </a:r>
                     </a:p>
                   </a:txBody>
@@ -4578,7 +4590,7 @@
                       </a:pPr>
                       <a:r>
                         <a:rPr lang="de-DE" sz="1800" dirty="0"/>
-                        <a:t>Girokonto „relax“</a:t>
+                        <a:t>Girokonto „relax“ (so entspannt war Kontoführung noch nie!) </a:t>
                       </a:r>
                     </a:p>
                     <a:p>
@@ -4611,7 +4623,7 @@
                       </a:pPr>
                       <a:r>
                         <a:rPr lang="de-DE" sz="1800" dirty="0"/>
-                        <a:t>Wertpapierdepot mit moderner Trading-App</a:t>
+                        <a:t>Wertpapierdepot „Future“ mit moderner Trading-App</a:t>
                       </a:r>
                     </a:p>
                   </a:txBody>
@@ -4641,7 +4653,15 @@
                       </a:pPr>
                       <a:r>
                         <a:rPr lang="de-DE" sz="1800" dirty="0"/>
-                        <a:t>Sparplan Safe+</a:t>
+                        <a:t>Sparplan „</a:t>
+                      </a:r>
+                      <a:r>
+                        <a:rPr lang="de-DE" sz="1800" dirty="0" err="1"/>
+                        <a:t>safe</a:t>
+                      </a:r>
+                      <a:r>
+                        <a:rPr lang="de-DE" sz="1800" dirty="0"/>
+                        <a:t>+“ (provisionsfreie Geldanlage für eine sichere Zukunft)</a:t>
                       </a:r>
                     </a:p>
                     <a:p>
@@ -4664,7 +4684,7 @@
                     <a:p>
                       <a:r>
                         <a:rPr lang="de-DE" dirty="0"/>
-                        <a:t>25 – 45</a:t>
+                        <a:t>25 – 55</a:t>
                       </a:r>
                     </a:p>
                   </a:txBody>
@@ -4694,7 +4714,15 @@
                       </a:pPr>
                       <a:r>
                         <a:rPr lang="de-DE" sz="1800" dirty="0"/>
-                        <a:t>Wertpapierdepot „Future“ mit moderner Trading-App</a:t>
+                        <a:t>Jung-Kredit „</a:t>
+                      </a:r>
+                      <a:r>
+                        <a:rPr lang="de-DE" sz="1800" dirty="0" err="1"/>
+                        <a:t>Dreamchaser</a:t>
+                      </a:r>
+                      <a:r>
+                        <a:rPr lang="de-DE" sz="1800" dirty="0"/>
+                        <a:t>“ (Erfüllen Sie Ihre Träume mit unserem Kredit)</a:t>
                       </a:r>
                     </a:p>
                     <a:p>
@@ -4743,16 +4771,28 @@
                       </a:pPr>
                       <a:r>
                         <a:rPr lang="de-DE" sz="1800" dirty="0"/>
-                        <a:t>Jung-MasterCard </a:t>
+                        <a:t>Jung-Visa „Action“ (mit unzähligen Attraktionsgutscheinen)</a:t>
                       </a:r>
-                      <a:r>
-                        <a:rPr lang="de-DE" sz="1800" dirty="0" err="1"/>
-                        <a:t>bet</a:t>
-                      </a:r>
-                      <a:r>
-                        <a:rPr lang="de-DE" sz="1800" dirty="0"/>
-                        <a:t> (mit hoher Gewinnchance bei Los-Ziehungen)</a:t>
-                      </a:r>
+                    </a:p>
+                    <a:p>
+                      <a:pPr marL="0" marR="0" lvl="0" indent="0" algn="l" defTabSz="914400" rtl="0" eaLnBrk="1" fontAlgn="auto" latinLnBrk="0" hangingPunct="1">
+                        <a:lnSpc>
+                          <a:spcPct val="100000"/>
+                        </a:lnSpc>
+                        <a:spcBef>
+                          <a:spcPts val="0"/>
+                        </a:spcBef>
+                        <a:spcAft>
+                          <a:spcPts val="0"/>
+                        </a:spcAft>
+                        <a:buClrTx/>
+                        <a:buSzTx/>
+                        <a:buFontTx/>
+                        <a:buNone/>
+                        <a:tabLst/>
+                        <a:defRPr/>
+                      </a:pPr>
+                      <a:endParaRPr lang="de-DE" sz="1800" dirty="0"/>
                     </a:p>
                   </a:txBody>
                   <a:tcPr/>
@@ -4796,7 +4836,7 @@
                   </a:ext>
                 </a:extLst>
               </a:tr>
-              <a:tr h="1317684">
+              <a:tr h="823552">
                 <a:tc>
                   <a:txBody>
                     <a:bodyPr/>
@@ -4804,7 +4844,7 @@
                     <a:p>
                       <a:r>
                         <a:rPr lang="de-DE" dirty="0"/>
-                        <a:t>45 – 60</a:t>
+                        <a:t>55+</a:t>
                       </a:r>
                     </a:p>
                   </a:txBody>
@@ -4834,15 +4874,83 @@
                       </a:pPr>
                       <a:r>
                         <a:rPr lang="de-DE" sz="1800" dirty="0"/>
-                        <a:t>Jung-Kredit „</a:t>
+                        <a:t>Jung-MasterCard „</a:t>
                       </a:r>
                       <a:r>
                         <a:rPr lang="de-DE" sz="1800" dirty="0" err="1"/>
-                        <a:t>Dreamchaser</a:t>
+                        <a:t>bet</a:t>
                       </a:r>
                       <a:r>
                         <a:rPr lang="de-DE" sz="1800" dirty="0"/>
-                        <a:t>“</a:t>
+                        <a:t>“ (mit hoher Gewinnchance bei Los-Ziehungen)</a:t>
+                      </a:r>
+                    </a:p>
+                  </a:txBody>
+                  <a:tcPr/>
+                </a:tc>
+                <a:tc>
+                  <a:txBody>
+                    <a:bodyPr/>
+                    <a:lstStyle/>
+                    <a:p>
+                      <a:pPr marL="0" marR="0" lvl="0" indent="0" algn="l" defTabSz="914400" rtl="0" eaLnBrk="1" fontAlgn="auto" latinLnBrk="0" hangingPunct="1">
+                        <a:lnSpc>
+                          <a:spcPct val="100000"/>
+                        </a:lnSpc>
+                        <a:spcBef>
+                          <a:spcPts val="0"/>
+                        </a:spcBef>
+                        <a:spcAft>
+                          <a:spcPts val="0"/>
+                        </a:spcAft>
+                        <a:buClrTx/>
+                        <a:buSzTx/>
+                        <a:buFontTx/>
+                        <a:buNone/>
+                        <a:tabLst/>
+                        <a:defRPr/>
+                      </a:pPr>
+                      <a:r>
+                        <a:rPr lang="de-DE" sz="1800" dirty="0"/>
+                        <a:t>Girokonto „relax</a:t>
+                      </a:r>
+                      <a:r>
+                        <a:rPr lang="de-DE" sz="1800"/>
+                        <a:t>+“ (legen </a:t>
+                      </a:r>
+                      <a:r>
+                        <a:rPr lang="de-DE" sz="1800" dirty="0"/>
+                        <a:t>Sie sich zurück und profitieren Sie von hohen Zinsen)</a:t>
+                      </a:r>
+                    </a:p>
+                  </a:txBody>
+                  <a:tcPr/>
+                </a:tc>
+                <a:tc>
+                  <a:txBody>
+                    <a:bodyPr/>
+                    <a:lstStyle/>
+                    <a:p>
+                      <a:pPr marL="0" marR="0" lvl="0" indent="0" algn="l" defTabSz="914400" rtl="0" eaLnBrk="1" fontAlgn="auto" latinLnBrk="0" hangingPunct="1">
+                        <a:lnSpc>
+                          <a:spcPct val="100000"/>
+                        </a:lnSpc>
+                        <a:spcBef>
+                          <a:spcPts val="0"/>
+                        </a:spcBef>
+                        <a:spcAft>
+                          <a:spcPts val="0"/>
+                        </a:spcAft>
+                        <a:buClrTx/>
+                        <a:buSzTx/>
+                        <a:buFontTx/>
+                        <a:buNone/>
+                        <a:tabLst/>
+                        <a:defRPr/>
+                      </a:pPr>
+                      <a:r>
+                        <a:rPr lang="de-DE" sz="1800" dirty="0"/>
+                        <a:t>Jung-Bank Rentenrechner (schon gewusst wie hoch Ihre Rente ist?</a:t>
                       </a:r>
                     </a:p>
                     <a:p>
@@ -4875,219 +4983,7 @@
                       </a:pPr>
                       <a:r>
                         <a:rPr lang="de-DE" sz="1800" dirty="0"/>
-                        <a:t>Jung-Kredit „relax“ (Zinsen, die beruhigen)</a:t>
-                      </a:r>
-                    </a:p>
-                    <a:p>
-                      <a:endParaRPr lang="de-DE" dirty="0"/>
-                    </a:p>
-                  </a:txBody>
-                  <a:tcPr/>
-                </a:tc>
-                <a:tc>
-                  <a:txBody>
-                    <a:bodyPr/>
-                    <a:lstStyle/>
-                    <a:p>
-                      <a:pPr marL="0" marR="0" lvl="0" indent="0" algn="l" defTabSz="914400" rtl="0" eaLnBrk="1" fontAlgn="auto" latinLnBrk="0" hangingPunct="1">
-                        <a:lnSpc>
-                          <a:spcPct val="100000"/>
-                        </a:lnSpc>
-                        <a:spcBef>
-                          <a:spcPts val="0"/>
-                        </a:spcBef>
-                        <a:spcAft>
-                          <a:spcPts val="0"/>
-                        </a:spcAft>
-                        <a:buClrTx/>
-                        <a:buSzTx/>
-                        <a:buFontTx/>
-                        <a:buNone/>
-                        <a:tabLst/>
-                        <a:defRPr/>
-                      </a:pPr>
-                      <a:r>
-                        <a:rPr lang="de-DE" sz="1800" dirty="0"/>
-                        <a:t>Jung-Visa Gold (mit Attraktionsgutscheinen)</a:t>
-                      </a:r>
-                    </a:p>
-                  </a:txBody>
-                  <a:tcPr/>
-                </a:tc>
-                <a:tc>
-                  <a:txBody>
-                    <a:bodyPr/>
-                    <a:lstStyle/>
-                    <a:p>
-                      <a:pPr marL="0" marR="0" lvl="0" indent="0" algn="l" defTabSz="914400" rtl="0" eaLnBrk="1" fontAlgn="auto" latinLnBrk="0" hangingPunct="1">
-                        <a:lnSpc>
-                          <a:spcPct val="100000"/>
-                        </a:lnSpc>
-                        <a:spcBef>
-                          <a:spcPts val="0"/>
-                        </a:spcBef>
-                        <a:spcAft>
-                          <a:spcPts val="0"/>
-                        </a:spcAft>
-                        <a:buClrTx/>
-                        <a:buSzTx/>
-                        <a:buFontTx/>
-                        <a:buNone/>
-                        <a:tabLst/>
-                        <a:defRPr/>
-                      </a:pPr>
-                      <a:r>
-                        <a:rPr lang="de-DE" sz="1800" dirty="0"/>
-                        <a:t>Jung-Visa Platin (mit Rechtsschutzversicherung)</a:t>
-                      </a:r>
-                    </a:p>
-                    <a:p>
-                      <a:endParaRPr lang="de-DE" dirty="0"/>
-                    </a:p>
-                  </a:txBody>
-                  <a:tcPr/>
-                </a:tc>
-                <a:extLst>
-                  <a:ext uri="{0D108BD9-81ED-4DB2-BD59-A6C34878D82A}">
-                    <a16:rowId xmlns:a16="http://schemas.microsoft.com/office/drawing/2014/main" val="887522201"/>
-                  </a:ext>
-                </a:extLst>
-              </a:tr>
-              <a:tr h="823552">
-                <a:tc>
-                  <a:txBody>
-                    <a:bodyPr/>
-                    <a:lstStyle/>
-                    <a:p>
-                      <a:r>
-                        <a:rPr lang="de-DE" dirty="0"/>
-                        <a:t>60+</a:t>
-                      </a:r>
-                    </a:p>
-                  </a:txBody>
-                  <a:tcPr/>
-                </a:tc>
-                <a:tc>
-                  <a:txBody>
-                    <a:bodyPr/>
-                    <a:lstStyle/>
-                    <a:p>
-                      <a:pPr marL="0" marR="0" lvl="0" indent="0" algn="l" defTabSz="914400" rtl="0" eaLnBrk="1" fontAlgn="auto" latinLnBrk="0" hangingPunct="1">
-                        <a:lnSpc>
-                          <a:spcPct val="100000"/>
-                        </a:lnSpc>
-                        <a:spcBef>
-                          <a:spcPts val="0"/>
-                        </a:spcBef>
-                        <a:spcAft>
-                          <a:spcPts val="0"/>
-                        </a:spcAft>
-                        <a:buClrTx/>
-                        <a:buSzTx/>
-                        <a:buFontTx/>
-                        <a:buNone/>
-                        <a:tabLst/>
-                        <a:defRPr/>
-                      </a:pPr>
-                      <a:r>
-                        <a:rPr lang="de-DE" sz="1800" dirty="0"/>
-                        <a:t>Jung-Visa Gold (mit Attraktionsgutscheinen)</a:t>
-                      </a:r>
-                    </a:p>
-                  </a:txBody>
-                  <a:tcPr/>
-                </a:tc>
-                <a:tc>
-                  <a:txBody>
-                    <a:bodyPr/>
-                    <a:lstStyle/>
-                    <a:p>
-                      <a:pPr marL="0" marR="0" lvl="0" indent="0" algn="l" defTabSz="914400" rtl="0" eaLnBrk="1" fontAlgn="auto" latinLnBrk="0" hangingPunct="1">
-                        <a:lnSpc>
-                          <a:spcPct val="100000"/>
-                        </a:lnSpc>
-                        <a:spcBef>
-                          <a:spcPts val="0"/>
-                        </a:spcBef>
-                        <a:spcAft>
-                          <a:spcPts val="0"/>
-                        </a:spcAft>
-                        <a:buClrTx/>
-                        <a:buSzTx/>
-                        <a:buFontTx/>
-                        <a:buNone/>
-                        <a:tabLst/>
-                        <a:defRPr/>
-                      </a:pPr>
-                      <a:r>
-                        <a:rPr lang="de-DE" sz="1800" dirty="0"/>
-                        <a:t>Girokonto „relax“</a:t>
-                      </a:r>
-                    </a:p>
-                    <a:p>
-                      <a:endParaRPr lang="de-DE" dirty="0"/>
-                    </a:p>
-                  </a:txBody>
-                  <a:tcPr/>
-                </a:tc>
-                <a:tc>
-                  <a:txBody>
-                    <a:bodyPr/>
-                    <a:lstStyle/>
-                    <a:p>
-                      <a:pPr marL="0" marR="0" lvl="0" indent="0" algn="l" defTabSz="914400" rtl="0" eaLnBrk="1" fontAlgn="auto" latinLnBrk="0" hangingPunct="1">
-                        <a:lnSpc>
-                          <a:spcPct val="100000"/>
-                        </a:lnSpc>
-                        <a:spcBef>
-                          <a:spcPts val="0"/>
-                        </a:spcBef>
-                        <a:spcAft>
-                          <a:spcPts val="0"/>
-                        </a:spcAft>
-                        <a:buClrTx/>
-                        <a:buSzTx/>
-                        <a:buFontTx/>
-                        <a:buNone/>
-                        <a:tabLst/>
-                        <a:defRPr/>
-                      </a:pPr>
-                      <a:r>
-                        <a:rPr lang="de-DE" sz="1800" dirty="0"/>
-                        <a:t>Jung-Bank Rentenrechner </a:t>
-                      </a:r>
-                    </a:p>
-                    <a:p>
-                      <a:endParaRPr lang="de-DE" dirty="0"/>
-                    </a:p>
-                  </a:txBody>
-                  <a:tcPr/>
-                </a:tc>
-                <a:tc>
-                  <a:txBody>
-                    <a:bodyPr/>
-                    <a:lstStyle/>
-                    <a:p>
-                      <a:pPr marL="0" marR="0" lvl="0" indent="0" algn="l" defTabSz="914400" rtl="0" eaLnBrk="1" fontAlgn="auto" latinLnBrk="0" hangingPunct="1">
-                        <a:lnSpc>
-                          <a:spcPct val="100000"/>
-                        </a:lnSpc>
-                        <a:spcBef>
-                          <a:spcPts val="0"/>
-                        </a:spcBef>
-                        <a:spcAft>
-                          <a:spcPts val="0"/>
-                        </a:spcAft>
-                        <a:buClrTx/>
-                        <a:buSzTx/>
-                        <a:buFontTx/>
-                        <a:buNone/>
-                        <a:tabLst/>
-                        <a:defRPr/>
-                      </a:pPr>
-                      <a:r>
-                        <a:rPr lang="de-DE" sz="1800" dirty="0"/>
-                        <a:t>Jung-Bank Rentenrechner </a:t>
+                        <a:t>Jung-Bank Rentenrechner (blicken Sie gewissenhaft in die Zukunft!)</a:t>
                       </a:r>
                     </a:p>
                     <a:p>
@@ -5109,7 +5005,7 @@
     </p:spTree>
     <p:extLst>
       <p:ext uri="{BB962C8B-B14F-4D97-AF65-F5344CB8AC3E}">
-        <p14:creationId xmlns:p14="http://schemas.microsoft.com/office/powerpoint/2010/main" val="2612878646"/>
+        <p14:creationId xmlns:p14="http://schemas.microsoft.com/office/powerpoint/2010/main" val="727221755"/>
       </p:ext>
     </p:extLst>
   </p:cSld>
